--- a/단어 분석 및 spark 이해 및 활용/20200129_제 42강(빅데이터 및 hadoop 개요)/centos+hadoop+install.pptx
+++ b/단어 분석 및 spark 이해 및 활용/20200129_제 42강(빅데이터 및 hadoop 개요)/centos+hadoop+install.pptx
@@ -268,7 +268,7 @@
           <a:p>
             <a:fld id="{B6676855-2C09-40AB-8764-6EE04F97900D}" type="datetimeFigureOut">
               <a:rPr lang="ko-KR" altLang="en-US" smtClean="0"/>
-              <a:t>2020-01-26</a:t>
+              <a:t>2020-01-30</a:t>
             </a:fld>
             <a:endParaRPr lang="ko-KR" altLang="en-US"/>
           </a:p>
@@ -536,6 +536,245 @@
 </p:notesMaster>
 </file>
 
+<file path=ppt/notesSlides/notesSlide1.xml><?xml version="1.0" encoding="utf-8"?>
+<p:notes xmlns:a="http://schemas.openxmlformats.org/drawingml/2006/main" xmlns:r="http://schemas.openxmlformats.org/officeDocument/2006/relationships" xmlns:p="http://schemas.openxmlformats.org/presentationml/2006/main">
+  <p:cSld>
+    <p:spTree>
+      <p:nvGrpSpPr>
+        <p:cNvPr id="1" name=""/>
+        <p:cNvGrpSpPr/>
+        <p:nvPr/>
+      </p:nvGrpSpPr>
+      <p:grpSpPr>
+        <a:xfrm>
+          <a:off x="0" y="0"/>
+          <a:ext cx="0" cy="0"/>
+          <a:chOff x="0" y="0"/>
+          <a:chExt cx="0" cy="0"/>
+        </a:xfrm>
+      </p:grpSpPr>
+      <p:sp>
+        <p:nvSpPr>
+          <p:cNvPr id="2" name="슬라이드 이미지 개체 틀 1"/>
+          <p:cNvSpPr>
+            <a:spLocks noGrp="1" noRot="1" noChangeAspect="1"/>
+          </p:cNvSpPr>
+          <p:nvPr>
+            <p:ph type="sldImg"/>
+          </p:nvPr>
+        </p:nvSpPr>
+        <p:spPr/>
+      </p:sp>
+      <p:sp>
+        <p:nvSpPr>
+          <p:cNvPr id="3" name="슬라이드 노트 개체 틀 2"/>
+          <p:cNvSpPr>
+            <a:spLocks noGrp="1"/>
+          </p:cNvSpPr>
+          <p:nvPr>
+            <p:ph type="body" idx="1"/>
+          </p:nvPr>
+        </p:nvSpPr>
+        <p:spPr/>
+        <p:txBody>
+          <a:bodyPr/>
+          <a:lstStyle/>
+          <a:p>
+            <a:r>
+              <a:rPr lang="en-US" altLang="ko-KR" dirty="0" smtClean="0"/>
+              <a:t>:</a:t>
+            </a:r>
+            <a:r>
+              <a:rPr lang="en-US" altLang="ko-KR" dirty="0" err="1" smtClean="0"/>
+              <a:t>wq</a:t>
+            </a:r>
+            <a:r>
+              <a:rPr lang="en-US" altLang="ko-KR" dirty="0" smtClean="0"/>
+              <a:t> </a:t>
+            </a:r>
+            <a:r>
+              <a:rPr lang="en-US" altLang="ko-KR" baseline="0" dirty="0" smtClean="0"/>
+              <a:t> :</a:t>
+            </a:r>
+            <a:r>
+              <a:rPr lang="ko-KR" altLang="en-US" baseline="0" dirty="0" smtClean="0"/>
+              <a:t>저장하고 편집모드 </a:t>
+            </a:r>
+            <a:r>
+              <a:rPr lang="ko-KR" altLang="en-US" baseline="0" dirty="0" err="1" smtClean="0"/>
+              <a:t>빠져나오기</a:t>
+            </a:r>
+            <a:r>
+              <a:rPr lang="ko-KR" altLang="en-US" baseline="0" dirty="0" smtClean="0"/>
+              <a:t> </a:t>
+            </a:r>
+            <a:endParaRPr lang="ko-KR" altLang="en-US" dirty="0"/>
+          </a:p>
+        </p:txBody>
+      </p:sp>
+      <p:sp>
+        <p:nvSpPr>
+          <p:cNvPr id="4" name="슬라이드 번호 개체 틀 3"/>
+          <p:cNvSpPr>
+            <a:spLocks noGrp="1"/>
+          </p:cNvSpPr>
+          <p:nvPr>
+            <p:ph type="sldNum" sz="quarter" idx="10"/>
+          </p:nvPr>
+        </p:nvSpPr>
+        <p:spPr/>
+        <p:txBody>
+          <a:bodyPr/>
+          <a:lstStyle/>
+          <a:p>
+            <a:fld id="{57BFB303-0BD4-4972-B777-6A76EF90426B}" type="slidenum">
+              <a:rPr lang="ko-KR" altLang="en-US" smtClean="0"/>
+              <a:t>42</a:t>
+            </a:fld>
+            <a:endParaRPr lang="ko-KR" altLang="en-US"/>
+          </a:p>
+        </p:txBody>
+      </p:sp>
+    </p:spTree>
+    <p:extLst>
+      <p:ext uri="{BB962C8B-B14F-4D97-AF65-F5344CB8AC3E}">
+        <p14:creationId xmlns:p14="http://schemas.microsoft.com/office/powerpoint/2010/main" val="2791599132"/>
+      </p:ext>
+    </p:extLst>
+  </p:cSld>
+  <p:clrMapOvr>
+    <a:masterClrMapping/>
+  </p:clrMapOvr>
+</p:notes>
+</file>
+
+<file path=ppt/notesSlides/notesSlide2.xml><?xml version="1.0" encoding="utf-8"?>
+<p:notes xmlns:a="http://schemas.openxmlformats.org/drawingml/2006/main" xmlns:r="http://schemas.openxmlformats.org/officeDocument/2006/relationships" xmlns:p="http://schemas.openxmlformats.org/presentationml/2006/main">
+  <p:cSld>
+    <p:spTree>
+      <p:nvGrpSpPr>
+        <p:cNvPr id="1" name=""/>
+        <p:cNvGrpSpPr/>
+        <p:nvPr/>
+      </p:nvGrpSpPr>
+      <p:grpSpPr>
+        <a:xfrm>
+          <a:off x="0" y="0"/>
+          <a:ext cx="0" cy="0"/>
+          <a:chOff x="0" y="0"/>
+          <a:chExt cx="0" cy="0"/>
+        </a:xfrm>
+      </p:grpSpPr>
+      <p:sp>
+        <p:nvSpPr>
+          <p:cNvPr id="2" name="슬라이드 이미지 개체 틀 1"/>
+          <p:cNvSpPr>
+            <a:spLocks noGrp="1" noRot="1" noChangeAspect="1"/>
+          </p:cNvSpPr>
+          <p:nvPr>
+            <p:ph type="sldImg"/>
+          </p:nvPr>
+        </p:nvSpPr>
+        <p:spPr/>
+      </p:sp>
+      <p:sp>
+        <p:nvSpPr>
+          <p:cNvPr id="3" name="슬라이드 노트 개체 틀 2"/>
+          <p:cNvSpPr>
+            <a:spLocks noGrp="1"/>
+          </p:cNvSpPr>
+          <p:nvPr>
+            <p:ph type="body" idx="1"/>
+          </p:nvPr>
+        </p:nvSpPr>
+        <p:spPr/>
+        <p:txBody>
+          <a:bodyPr/>
+          <a:lstStyle/>
+          <a:p>
+            <a:pPr marL="0" marR="0" indent="0" algn="l" defTabSz="914400" rtl="0" eaLnBrk="1" fontAlgn="auto" latinLnBrk="1" hangingPunct="1">
+              <a:lnSpc>
+                <a:spcPct val="100000"/>
+              </a:lnSpc>
+              <a:spcBef>
+                <a:spcPts val="0"/>
+              </a:spcBef>
+              <a:spcAft>
+                <a:spcPts val="0"/>
+              </a:spcAft>
+              <a:buClrTx/>
+              <a:buSzTx/>
+              <a:buFontTx/>
+              <a:buNone/>
+              <a:tabLst/>
+              <a:defRPr/>
+            </a:pPr>
+            <a:r>
+              <a:rPr lang="en-US" altLang="ko-KR" dirty="0" smtClean="0"/>
+              <a:t>Master</a:t>
+            </a:r>
+            <a:r>
+              <a:rPr lang="ko-KR" altLang="en-US" dirty="0" smtClean="0"/>
+              <a:t>로 변경 코드 </a:t>
+            </a:r>
+            <a:r>
+              <a:rPr lang="en-US" altLang="ko-KR" dirty="0" smtClean="0"/>
+              <a:t>:</a:t>
+            </a:r>
+            <a:r>
+              <a:rPr lang="en-US" altLang="ko-KR" baseline="0" dirty="0" smtClean="0"/>
+              <a:t> </a:t>
+            </a:r>
+            <a:r>
+              <a:rPr lang="en-US" altLang="ko-KR" dirty="0" err="1" smtClean="0"/>
+              <a:t>hostnamectl</a:t>
+            </a:r>
+            <a:r>
+              <a:rPr lang="en-US" altLang="ko-KR" dirty="0" smtClean="0"/>
+              <a:t> set-hostname master</a:t>
+            </a:r>
+          </a:p>
+          <a:p>
+            <a:endParaRPr lang="ko-KR" altLang="en-US" dirty="0"/>
+          </a:p>
+        </p:txBody>
+      </p:sp>
+      <p:sp>
+        <p:nvSpPr>
+          <p:cNvPr id="4" name="슬라이드 번호 개체 틀 3"/>
+          <p:cNvSpPr>
+            <a:spLocks noGrp="1"/>
+          </p:cNvSpPr>
+          <p:nvPr>
+            <p:ph type="sldNum" sz="quarter" idx="10"/>
+          </p:nvPr>
+        </p:nvSpPr>
+        <p:spPr/>
+        <p:txBody>
+          <a:bodyPr/>
+          <a:lstStyle/>
+          <a:p>
+            <a:fld id="{57BFB303-0BD4-4972-B777-6A76EF90426B}" type="slidenum">
+              <a:rPr lang="ko-KR" altLang="en-US" smtClean="0"/>
+              <a:t>43</a:t>
+            </a:fld>
+            <a:endParaRPr lang="ko-KR" altLang="en-US"/>
+          </a:p>
+        </p:txBody>
+      </p:sp>
+    </p:spTree>
+    <p:extLst>
+      <p:ext uri="{BB962C8B-B14F-4D97-AF65-F5344CB8AC3E}">
+        <p14:creationId xmlns:p14="http://schemas.microsoft.com/office/powerpoint/2010/main" val="1327366586"/>
+      </p:ext>
+    </p:extLst>
+  </p:cSld>
+  <p:clrMapOvr>
+    <a:masterClrMapping/>
+  </p:clrMapOvr>
+</p:notes>
+</file>
+
 <file path=ppt/slideLayouts/slideLayout1.xml><?xml version="1.0" encoding="utf-8"?>
 <p:sldLayout xmlns:a="http://schemas.openxmlformats.org/drawingml/2006/main" xmlns:r="http://schemas.openxmlformats.org/officeDocument/2006/relationships" xmlns:p="http://schemas.openxmlformats.org/presentationml/2006/main" type="title" preserve="1">
   <p:cSld name="제목 슬라이드">
@@ -667,7 +906,7 @@
           <a:p>
             <a:fld id="{3E079C69-4059-4BB9-A438-CC71FBC3E538}" type="datetimeFigureOut">
               <a:rPr lang="ko-KR" altLang="en-US" smtClean="0"/>
-              <a:t>2020-01-26</a:t>
+              <a:t>2020-01-30</a:t>
             </a:fld>
             <a:endParaRPr lang="ko-KR" altLang="en-US"/>
           </a:p>
@@ -837,7 +1076,7 @@
           <a:p>
             <a:fld id="{3E079C69-4059-4BB9-A438-CC71FBC3E538}" type="datetimeFigureOut">
               <a:rPr lang="ko-KR" altLang="en-US" smtClean="0"/>
-              <a:t>2020-01-26</a:t>
+              <a:t>2020-01-30</a:t>
             </a:fld>
             <a:endParaRPr lang="ko-KR" altLang="en-US"/>
           </a:p>
@@ -1017,7 +1256,7 @@
           <a:p>
             <a:fld id="{3E079C69-4059-4BB9-A438-CC71FBC3E538}" type="datetimeFigureOut">
               <a:rPr lang="ko-KR" altLang="en-US" smtClean="0"/>
-              <a:t>2020-01-26</a:t>
+              <a:t>2020-01-30</a:t>
             </a:fld>
             <a:endParaRPr lang="ko-KR" altLang="en-US"/>
           </a:p>
@@ -1545,7 +1784,7 @@
           <a:p>
             <a:fld id="{3E079C69-4059-4BB9-A438-CC71FBC3E538}" type="datetimeFigureOut">
               <a:rPr lang="ko-KR" altLang="en-US" smtClean="0"/>
-              <a:t>2020-01-26</a:t>
+              <a:t>2020-01-30</a:t>
             </a:fld>
             <a:endParaRPr lang="ko-KR" altLang="en-US"/>
           </a:p>
@@ -1791,7 +2030,7 @@
           <a:p>
             <a:fld id="{3E079C69-4059-4BB9-A438-CC71FBC3E538}" type="datetimeFigureOut">
               <a:rPr lang="ko-KR" altLang="en-US" smtClean="0"/>
-              <a:t>2020-01-26</a:t>
+              <a:t>2020-01-30</a:t>
             </a:fld>
             <a:endParaRPr lang="ko-KR" altLang="en-US"/>
           </a:p>
@@ -2023,7 +2262,7 @@
           <a:p>
             <a:fld id="{3E079C69-4059-4BB9-A438-CC71FBC3E538}" type="datetimeFigureOut">
               <a:rPr lang="ko-KR" altLang="en-US" smtClean="0"/>
-              <a:t>2020-01-26</a:t>
+              <a:t>2020-01-30</a:t>
             </a:fld>
             <a:endParaRPr lang="ko-KR" altLang="en-US"/>
           </a:p>
@@ -2390,7 +2629,7 @@
           <a:p>
             <a:fld id="{3E079C69-4059-4BB9-A438-CC71FBC3E538}" type="datetimeFigureOut">
               <a:rPr lang="ko-KR" altLang="en-US" smtClean="0"/>
-              <a:t>2020-01-26</a:t>
+              <a:t>2020-01-30</a:t>
             </a:fld>
             <a:endParaRPr lang="ko-KR" altLang="en-US"/>
           </a:p>
@@ -2508,7 +2747,7 @@
           <a:p>
             <a:fld id="{3E079C69-4059-4BB9-A438-CC71FBC3E538}" type="datetimeFigureOut">
               <a:rPr lang="ko-KR" altLang="en-US" smtClean="0"/>
-              <a:t>2020-01-26</a:t>
+              <a:t>2020-01-30</a:t>
             </a:fld>
             <a:endParaRPr lang="ko-KR" altLang="en-US"/>
           </a:p>
@@ -2603,7 +2842,7 @@
           <a:p>
             <a:fld id="{3E079C69-4059-4BB9-A438-CC71FBC3E538}" type="datetimeFigureOut">
               <a:rPr lang="ko-KR" altLang="en-US" smtClean="0"/>
-              <a:t>2020-01-26</a:t>
+              <a:t>2020-01-30</a:t>
             </a:fld>
             <a:endParaRPr lang="ko-KR" altLang="en-US"/>
           </a:p>
@@ -2880,7 +3119,7 @@
           <a:p>
             <a:fld id="{3E079C69-4059-4BB9-A438-CC71FBC3E538}" type="datetimeFigureOut">
               <a:rPr lang="ko-KR" altLang="en-US" smtClean="0"/>
-              <a:t>2020-01-26</a:t>
+              <a:t>2020-01-30</a:t>
             </a:fld>
             <a:endParaRPr lang="ko-KR" altLang="en-US"/>
           </a:p>
@@ -3133,7 +3372,7 @@
           <a:p>
             <a:fld id="{3E079C69-4059-4BB9-A438-CC71FBC3E538}" type="datetimeFigureOut">
               <a:rPr lang="ko-KR" altLang="en-US" smtClean="0"/>
-              <a:t>2020-01-26</a:t>
+              <a:t>2020-01-30</a:t>
             </a:fld>
             <a:endParaRPr lang="ko-KR" altLang="en-US"/>
           </a:p>
@@ -3346,7 +3585,7 @@
           <a:p>
             <a:fld id="{3E079C69-4059-4BB9-A438-CC71FBC3E538}" type="datetimeFigureOut">
               <a:rPr lang="ko-KR" altLang="en-US" smtClean="0"/>
-              <a:t>2020-01-26</a:t>
+              <a:t>2020-01-30</a:t>
             </a:fld>
             <a:endParaRPr lang="ko-KR" altLang="en-US"/>
           </a:p>
@@ -9309,7 +9548,7 @@
           <p:nvPr/>
         </p:nvPicPr>
         <p:blipFill>
-          <a:blip r:embed="rId2">
+          <a:blip r:embed="rId3">
             <a:extLst>
               <a:ext uri="{28A0092B-C50C-407E-A947-70E740481C1C}">
                 <a14:useLocalDpi xmlns:a14="http://schemas.microsoft.com/office/drawing/2010/main" val="0"/>
@@ -9373,7 +9612,7 @@
           <p:nvPr/>
         </p:nvPicPr>
         <p:blipFill>
-          <a:blip r:embed="rId3">
+          <a:blip r:embed="rId4">
             <a:extLst>
               <a:ext uri="{28A0092B-C50C-407E-A947-70E740481C1C}">
                 <a14:useLocalDpi xmlns:a14="http://schemas.microsoft.com/office/drawing/2010/main" val="0"/>
